--- a/ppt 16-9/0516.新堂落成.pptx
+++ b/ppt 16-9/0516.新堂落成.pptx
@@ -5,7 +5,7 @@
     <p:sldMasterId id="2147483648" r:id="rId1"/>
   </p:sldMasterIdLst>
   <p:sldIdLst>
-    <p:sldId id="2244" r:id="rId2"/>
+    <p:sldId id="2248" r:id="rId2"/>
   </p:sldIdLst>
   <p:sldSz cx="12192000" cy="6858000"/>
   <p:notesSz cx="6858000" cy="9144000"/>
@@ -129,7 +129,7 @@
           <p:cNvPr id="2" name="标题 1">
             <a:extLst>
               <a:ext uri="{FF2B5EF4-FFF2-40B4-BE49-F238E27FC236}">
-                <a16:creationId xmlns:a16="http://schemas.microsoft.com/office/drawing/2014/main" id="{9D294596-831F-0033-822B-1863838B68D4}"/>
+                <a16:creationId xmlns:a16="http://schemas.microsoft.com/office/drawing/2014/main" id="{CD80D98E-8644-C023-31D7-4647B6CA109E}"/>
               </a:ext>
             </a:extLst>
           </p:cNvPr>
@@ -166,7 +166,7 @@
           <p:cNvPr id="3" name="副标题 2">
             <a:extLst>
               <a:ext uri="{FF2B5EF4-FFF2-40B4-BE49-F238E27FC236}">
-                <a16:creationId xmlns:a16="http://schemas.microsoft.com/office/drawing/2014/main" id="{08798B9A-75BD-9758-E336-200C98475E76}"/>
+                <a16:creationId xmlns:a16="http://schemas.microsoft.com/office/drawing/2014/main" id="{D34C8D81-6BEC-A683-EBE1-421C2CD7DEBA}"/>
               </a:ext>
             </a:extLst>
           </p:cNvPr>
@@ -236,7 +236,7 @@
           <p:cNvPr id="4" name="日期占位符 3">
             <a:extLst>
               <a:ext uri="{FF2B5EF4-FFF2-40B4-BE49-F238E27FC236}">
-                <a16:creationId xmlns:a16="http://schemas.microsoft.com/office/drawing/2014/main" id="{13F8D68C-4D9A-A420-8CD2-56896BF8CEAC}"/>
+                <a16:creationId xmlns:a16="http://schemas.microsoft.com/office/drawing/2014/main" id="{CFEF6832-6467-E1E1-F0EC-5AF8E18ECEA1}"/>
               </a:ext>
             </a:extLst>
           </p:cNvPr>
@@ -252,7 +252,7 @@
           <a:bodyPr/>
           <a:lstStyle/>
           <a:p>
-            <a:fld id="{EB949CFD-E057-45AA-8491-F4FFBD0F3ABF}" type="datetimeFigureOut">
+            <a:fld id="{C03E05AC-C8DC-40EB-8318-DFE393686B61}" type="datetimeFigureOut">
               <a:rPr lang="zh-CN" altLang="en-US" smtClean="0"/>
               <a:t>2024/3/10</a:t>
             </a:fld>
@@ -265,7 +265,7 @@
           <p:cNvPr id="5" name="页脚占位符 4">
             <a:extLst>
               <a:ext uri="{FF2B5EF4-FFF2-40B4-BE49-F238E27FC236}">
-                <a16:creationId xmlns:a16="http://schemas.microsoft.com/office/drawing/2014/main" id="{BAE4D22D-2516-D097-3CF9-0B8232E8CEA7}"/>
+                <a16:creationId xmlns:a16="http://schemas.microsoft.com/office/drawing/2014/main" id="{1C3AE64D-2E33-2FDA-B531-F6BEF9441CE2}"/>
               </a:ext>
             </a:extLst>
           </p:cNvPr>
@@ -290,7 +290,7 @@
           <p:cNvPr id="6" name="灯片编号占位符 5">
             <a:extLst>
               <a:ext uri="{FF2B5EF4-FFF2-40B4-BE49-F238E27FC236}">
-                <a16:creationId xmlns:a16="http://schemas.microsoft.com/office/drawing/2014/main" id="{34D936AA-E0D6-A935-EE32-C376E524D217}"/>
+                <a16:creationId xmlns:a16="http://schemas.microsoft.com/office/drawing/2014/main" id="{F1244352-7C8B-1814-28E5-03FC0F4A7919}"/>
               </a:ext>
             </a:extLst>
           </p:cNvPr>
@@ -306,7 +306,7 @@
           <a:bodyPr/>
           <a:lstStyle/>
           <a:p>
-            <a:fld id="{4ABAA976-B229-4583-89D0-5433A18B6D9E}" type="slidenum">
+            <a:fld id="{C364465B-1D80-4D39-9278-14A21095A0E5}" type="slidenum">
               <a:rPr lang="zh-CN" altLang="en-US" smtClean="0"/>
               <a:t>‹#›</a:t>
             </a:fld>
@@ -317,7 +317,7 @@
     </p:spTree>
     <p:extLst>
       <p:ext uri="{BB962C8B-B14F-4D97-AF65-F5344CB8AC3E}">
-        <p14:creationId xmlns:p14="http://schemas.microsoft.com/office/powerpoint/2010/main" val="3050140248"/>
+        <p14:creationId xmlns:p14="http://schemas.microsoft.com/office/powerpoint/2010/main" val="1350323809"/>
       </p:ext>
     </p:extLst>
   </p:cSld>
@@ -349,7 +349,7 @@
           <p:cNvPr id="2" name="标题 1">
             <a:extLst>
               <a:ext uri="{FF2B5EF4-FFF2-40B4-BE49-F238E27FC236}">
-                <a16:creationId xmlns:a16="http://schemas.microsoft.com/office/drawing/2014/main" id="{8DF304D1-BE70-A8D4-A870-49CCF16338E9}"/>
+                <a16:creationId xmlns:a16="http://schemas.microsoft.com/office/drawing/2014/main" id="{C2494BD4-3581-D81D-E60A-D41CC177935E}"/>
               </a:ext>
             </a:extLst>
           </p:cNvPr>
@@ -377,7 +377,7 @@
           <p:cNvPr id="3" name="竖排文字占位符 2">
             <a:extLst>
               <a:ext uri="{FF2B5EF4-FFF2-40B4-BE49-F238E27FC236}">
-                <a16:creationId xmlns:a16="http://schemas.microsoft.com/office/drawing/2014/main" id="{98E84BD1-E4D6-3778-69C4-CEA5FEDD32B1}"/>
+                <a16:creationId xmlns:a16="http://schemas.microsoft.com/office/drawing/2014/main" id="{62315FD4-4260-89C2-750A-4A7EE6C6D54A}"/>
               </a:ext>
             </a:extLst>
           </p:cNvPr>
@@ -434,7 +434,7 @@
           <p:cNvPr id="4" name="日期占位符 3">
             <a:extLst>
               <a:ext uri="{FF2B5EF4-FFF2-40B4-BE49-F238E27FC236}">
-                <a16:creationId xmlns:a16="http://schemas.microsoft.com/office/drawing/2014/main" id="{06384035-7875-9882-631B-EC889FF2BD1A}"/>
+                <a16:creationId xmlns:a16="http://schemas.microsoft.com/office/drawing/2014/main" id="{B05DFC2E-507B-5A48-19C2-A4CFD25FD69F}"/>
               </a:ext>
             </a:extLst>
           </p:cNvPr>
@@ -450,7 +450,7 @@
           <a:bodyPr/>
           <a:lstStyle/>
           <a:p>
-            <a:fld id="{EB949CFD-E057-45AA-8491-F4FFBD0F3ABF}" type="datetimeFigureOut">
+            <a:fld id="{C03E05AC-C8DC-40EB-8318-DFE393686B61}" type="datetimeFigureOut">
               <a:rPr lang="zh-CN" altLang="en-US" smtClean="0"/>
               <a:t>2024/3/10</a:t>
             </a:fld>
@@ -463,7 +463,7 @@
           <p:cNvPr id="5" name="页脚占位符 4">
             <a:extLst>
               <a:ext uri="{FF2B5EF4-FFF2-40B4-BE49-F238E27FC236}">
-                <a16:creationId xmlns:a16="http://schemas.microsoft.com/office/drawing/2014/main" id="{60F1FB7D-F1E0-C217-3EDF-837244520811}"/>
+                <a16:creationId xmlns:a16="http://schemas.microsoft.com/office/drawing/2014/main" id="{05A3D17A-8A88-1560-04D8-1668017FB1A4}"/>
               </a:ext>
             </a:extLst>
           </p:cNvPr>
@@ -488,7 +488,7 @@
           <p:cNvPr id="6" name="灯片编号占位符 5">
             <a:extLst>
               <a:ext uri="{FF2B5EF4-FFF2-40B4-BE49-F238E27FC236}">
-                <a16:creationId xmlns:a16="http://schemas.microsoft.com/office/drawing/2014/main" id="{720E9AC7-9120-7B3C-8B4E-3848E99343D4}"/>
+                <a16:creationId xmlns:a16="http://schemas.microsoft.com/office/drawing/2014/main" id="{410039BD-44B1-CB53-4AE2-F64750DC025E}"/>
               </a:ext>
             </a:extLst>
           </p:cNvPr>
@@ -504,7 +504,7 @@
           <a:bodyPr/>
           <a:lstStyle/>
           <a:p>
-            <a:fld id="{4ABAA976-B229-4583-89D0-5433A18B6D9E}" type="slidenum">
+            <a:fld id="{C364465B-1D80-4D39-9278-14A21095A0E5}" type="slidenum">
               <a:rPr lang="zh-CN" altLang="en-US" smtClean="0"/>
               <a:t>‹#›</a:t>
             </a:fld>
@@ -515,7 +515,7 @@
     </p:spTree>
     <p:extLst>
       <p:ext uri="{BB962C8B-B14F-4D97-AF65-F5344CB8AC3E}">
-        <p14:creationId xmlns:p14="http://schemas.microsoft.com/office/powerpoint/2010/main" val="3413866511"/>
+        <p14:creationId xmlns:p14="http://schemas.microsoft.com/office/powerpoint/2010/main" val="1821080450"/>
       </p:ext>
     </p:extLst>
   </p:cSld>
@@ -547,7 +547,7 @@
           <p:cNvPr id="2" name="竖排标题 1">
             <a:extLst>
               <a:ext uri="{FF2B5EF4-FFF2-40B4-BE49-F238E27FC236}">
-                <a16:creationId xmlns:a16="http://schemas.microsoft.com/office/drawing/2014/main" id="{B6DD95CD-02AC-BB41-54DA-AF191DC33909}"/>
+                <a16:creationId xmlns:a16="http://schemas.microsoft.com/office/drawing/2014/main" id="{D3B1B57E-EF9F-DB58-B3F7-D08D7AC4C75B}"/>
               </a:ext>
             </a:extLst>
           </p:cNvPr>
@@ -580,7 +580,7 @@
           <p:cNvPr id="3" name="竖排文字占位符 2">
             <a:extLst>
               <a:ext uri="{FF2B5EF4-FFF2-40B4-BE49-F238E27FC236}">
-                <a16:creationId xmlns:a16="http://schemas.microsoft.com/office/drawing/2014/main" id="{53B8D556-5329-CD1E-3989-F19C61642662}"/>
+                <a16:creationId xmlns:a16="http://schemas.microsoft.com/office/drawing/2014/main" id="{21C47B93-9058-552D-0E09-0946FCBC1AC8}"/>
               </a:ext>
             </a:extLst>
           </p:cNvPr>
@@ -642,7 +642,7 @@
           <p:cNvPr id="4" name="日期占位符 3">
             <a:extLst>
               <a:ext uri="{FF2B5EF4-FFF2-40B4-BE49-F238E27FC236}">
-                <a16:creationId xmlns:a16="http://schemas.microsoft.com/office/drawing/2014/main" id="{B5B14D04-CD95-AE86-33EE-6D224E1F2B7D}"/>
+                <a16:creationId xmlns:a16="http://schemas.microsoft.com/office/drawing/2014/main" id="{AD60B76B-6F47-4ECE-4D29-CD0008F2BB76}"/>
               </a:ext>
             </a:extLst>
           </p:cNvPr>
@@ -658,7 +658,7 @@
           <a:bodyPr/>
           <a:lstStyle/>
           <a:p>
-            <a:fld id="{EB949CFD-E057-45AA-8491-F4FFBD0F3ABF}" type="datetimeFigureOut">
+            <a:fld id="{C03E05AC-C8DC-40EB-8318-DFE393686B61}" type="datetimeFigureOut">
               <a:rPr lang="zh-CN" altLang="en-US" smtClean="0"/>
               <a:t>2024/3/10</a:t>
             </a:fld>
@@ -671,7 +671,7 @@
           <p:cNvPr id="5" name="页脚占位符 4">
             <a:extLst>
               <a:ext uri="{FF2B5EF4-FFF2-40B4-BE49-F238E27FC236}">
-                <a16:creationId xmlns:a16="http://schemas.microsoft.com/office/drawing/2014/main" id="{7C62F3A9-DFBC-3841-0599-1C8DF2EBB4C9}"/>
+                <a16:creationId xmlns:a16="http://schemas.microsoft.com/office/drawing/2014/main" id="{F223C7DB-6DEA-0D0C-5FDD-B1078CAD45D9}"/>
               </a:ext>
             </a:extLst>
           </p:cNvPr>
@@ -696,7 +696,7 @@
           <p:cNvPr id="6" name="灯片编号占位符 5">
             <a:extLst>
               <a:ext uri="{FF2B5EF4-FFF2-40B4-BE49-F238E27FC236}">
-                <a16:creationId xmlns:a16="http://schemas.microsoft.com/office/drawing/2014/main" id="{311AA02B-88B4-5DC7-DAF1-EB187E52ADA6}"/>
+                <a16:creationId xmlns:a16="http://schemas.microsoft.com/office/drawing/2014/main" id="{A0F14F4E-74C7-DCD2-EC1D-D74D2F712B28}"/>
               </a:ext>
             </a:extLst>
           </p:cNvPr>
@@ -712,7 +712,7 @@
           <a:bodyPr/>
           <a:lstStyle/>
           <a:p>
-            <a:fld id="{4ABAA976-B229-4583-89D0-5433A18B6D9E}" type="slidenum">
+            <a:fld id="{C364465B-1D80-4D39-9278-14A21095A0E5}" type="slidenum">
               <a:rPr lang="zh-CN" altLang="en-US" smtClean="0"/>
               <a:t>‹#›</a:t>
             </a:fld>
@@ -723,7 +723,7 @@
     </p:spTree>
     <p:extLst>
       <p:ext uri="{BB962C8B-B14F-4D97-AF65-F5344CB8AC3E}">
-        <p14:creationId xmlns:p14="http://schemas.microsoft.com/office/powerpoint/2010/main" val="658123219"/>
+        <p14:creationId xmlns:p14="http://schemas.microsoft.com/office/powerpoint/2010/main" val="2149140344"/>
       </p:ext>
     </p:extLst>
   </p:cSld>
@@ -755,7 +755,7 @@
           <p:cNvPr id="2" name="标题 1">
             <a:extLst>
               <a:ext uri="{FF2B5EF4-FFF2-40B4-BE49-F238E27FC236}">
-                <a16:creationId xmlns:a16="http://schemas.microsoft.com/office/drawing/2014/main" id="{6F8B2A5C-E563-DE78-4D2A-88E0773DE801}"/>
+                <a16:creationId xmlns:a16="http://schemas.microsoft.com/office/drawing/2014/main" id="{CAF6986E-0202-C60E-0316-B158B2A1A8D1}"/>
               </a:ext>
             </a:extLst>
           </p:cNvPr>
@@ -783,7 +783,7 @@
           <p:cNvPr id="3" name="内容占位符 2">
             <a:extLst>
               <a:ext uri="{FF2B5EF4-FFF2-40B4-BE49-F238E27FC236}">
-                <a16:creationId xmlns:a16="http://schemas.microsoft.com/office/drawing/2014/main" id="{26801C32-673E-9435-AB8D-D8DDD8AB13B8}"/>
+                <a16:creationId xmlns:a16="http://schemas.microsoft.com/office/drawing/2014/main" id="{04DCAAB9-95AB-2119-AA7A-7E58203CBF63}"/>
               </a:ext>
             </a:extLst>
           </p:cNvPr>
@@ -840,7 +840,7 @@
           <p:cNvPr id="4" name="日期占位符 3">
             <a:extLst>
               <a:ext uri="{FF2B5EF4-FFF2-40B4-BE49-F238E27FC236}">
-                <a16:creationId xmlns:a16="http://schemas.microsoft.com/office/drawing/2014/main" id="{DA426FBE-DF18-6DB1-B034-2500929FA004}"/>
+                <a16:creationId xmlns:a16="http://schemas.microsoft.com/office/drawing/2014/main" id="{03B64FFB-65D5-744B-FF23-23A166027F0F}"/>
               </a:ext>
             </a:extLst>
           </p:cNvPr>
@@ -856,7 +856,7 @@
           <a:bodyPr/>
           <a:lstStyle/>
           <a:p>
-            <a:fld id="{EB949CFD-E057-45AA-8491-F4FFBD0F3ABF}" type="datetimeFigureOut">
+            <a:fld id="{C03E05AC-C8DC-40EB-8318-DFE393686B61}" type="datetimeFigureOut">
               <a:rPr lang="zh-CN" altLang="en-US" smtClean="0"/>
               <a:t>2024/3/10</a:t>
             </a:fld>
@@ -869,7 +869,7 @@
           <p:cNvPr id="5" name="页脚占位符 4">
             <a:extLst>
               <a:ext uri="{FF2B5EF4-FFF2-40B4-BE49-F238E27FC236}">
-                <a16:creationId xmlns:a16="http://schemas.microsoft.com/office/drawing/2014/main" id="{E29D315A-BF60-46AA-6B3B-B7BB9B1FB42D}"/>
+                <a16:creationId xmlns:a16="http://schemas.microsoft.com/office/drawing/2014/main" id="{29188924-18C1-9227-D71D-EBEDF3EC1E3E}"/>
               </a:ext>
             </a:extLst>
           </p:cNvPr>
@@ -894,7 +894,7 @@
           <p:cNvPr id="6" name="灯片编号占位符 5">
             <a:extLst>
               <a:ext uri="{FF2B5EF4-FFF2-40B4-BE49-F238E27FC236}">
-                <a16:creationId xmlns:a16="http://schemas.microsoft.com/office/drawing/2014/main" id="{F5E8A4B3-A795-7C36-9420-62F10279BB47}"/>
+                <a16:creationId xmlns:a16="http://schemas.microsoft.com/office/drawing/2014/main" id="{43FF9825-A3BA-097D-843F-05F753B0389F}"/>
               </a:ext>
             </a:extLst>
           </p:cNvPr>
@@ -910,7 +910,7 @@
           <a:bodyPr/>
           <a:lstStyle/>
           <a:p>
-            <a:fld id="{4ABAA976-B229-4583-89D0-5433A18B6D9E}" type="slidenum">
+            <a:fld id="{C364465B-1D80-4D39-9278-14A21095A0E5}" type="slidenum">
               <a:rPr lang="zh-CN" altLang="en-US" smtClean="0"/>
               <a:t>‹#›</a:t>
             </a:fld>
@@ -921,7 +921,7 @@
     </p:spTree>
     <p:extLst>
       <p:ext uri="{BB962C8B-B14F-4D97-AF65-F5344CB8AC3E}">
-        <p14:creationId xmlns:p14="http://schemas.microsoft.com/office/powerpoint/2010/main" val="1242861798"/>
+        <p14:creationId xmlns:p14="http://schemas.microsoft.com/office/powerpoint/2010/main" val="3132944126"/>
       </p:ext>
     </p:extLst>
   </p:cSld>
@@ -953,7 +953,7 @@
           <p:cNvPr id="2" name="标题 1">
             <a:extLst>
               <a:ext uri="{FF2B5EF4-FFF2-40B4-BE49-F238E27FC236}">
-                <a16:creationId xmlns:a16="http://schemas.microsoft.com/office/drawing/2014/main" id="{19349B92-A679-A106-1093-386AB99A5EAF}"/>
+                <a16:creationId xmlns:a16="http://schemas.microsoft.com/office/drawing/2014/main" id="{E3704D8F-6759-0055-F95E-C0E782DE709F}"/>
               </a:ext>
             </a:extLst>
           </p:cNvPr>
@@ -990,7 +990,7 @@
           <p:cNvPr id="3" name="文本占位符 2">
             <a:extLst>
               <a:ext uri="{FF2B5EF4-FFF2-40B4-BE49-F238E27FC236}">
-                <a16:creationId xmlns:a16="http://schemas.microsoft.com/office/drawing/2014/main" id="{4D790E09-348F-84F1-EB94-C73BF3AA01AB}"/>
+                <a16:creationId xmlns:a16="http://schemas.microsoft.com/office/drawing/2014/main" id="{BE69B0B9-9242-15ED-AA76-6FB13FE43D03}"/>
               </a:ext>
             </a:extLst>
           </p:cNvPr>
@@ -1115,7 +1115,7 @@
           <p:cNvPr id="4" name="日期占位符 3">
             <a:extLst>
               <a:ext uri="{FF2B5EF4-FFF2-40B4-BE49-F238E27FC236}">
-                <a16:creationId xmlns:a16="http://schemas.microsoft.com/office/drawing/2014/main" id="{8020EF41-E6BD-E668-50FF-08AB5ADAE034}"/>
+                <a16:creationId xmlns:a16="http://schemas.microsoft.com/office/drawing/2014/main" id="{2C0BE410-57A5-61C6-EEAA-96C6436B1ABD}"/>
               </a:ext>
             </a:extLst>
           </p:cNvPr>
@@ -1131,7 +1131,7 @@
           <a:bodyPr/>
           <a:lstStyle/>
           <a:p>
-            <a:fld id="{EB949CFD-E057-45AA-8491-F4FFBD0F3ABF}" type="datetimeFigureOut">
+            <a:fld id="{C03E05AC-C8DC-40EB-8318-DFE393686B61}" type="datetimeFigureOut">
               <a:rPr lang="zh-CN" altLang="en-US" smtClean="0"/>
               <a:t>2024/3/10</a:t>
             </a:fld>
@@ -1144,7 +1144,7 @@
           <p:cNvPr id="5" name="页脚占位符 4">
             <a:extLst>
               <a:ext uri="{FF2B5EF4-FFF2-40B4-BE49-F238E27FC236}">
-                <a16:creationId xmlns:a16="http://schemas.microsoft.com/office/drawing/2014/main" id="{25ECEB51-C0C4-BF77-6AD1-92C33D0440AD}"/>
+                <a16:creationId xmlns:a16="http://schemas.microsoft.com/office/drawing/2014/main" id="{372F68E6-7C38-1B47-49DC-8E1244BB0D84}"/>
               </a:ext>
             </a:extLst>
           </p:cNvPr>
@@ -1169,7 +1169,7 @@
           <p:cNvPr id="6" name="灯片编号占位符 5">
             <a:extLst>
               <a:ext uri="{FF2B5EF4-FFF2-40B4-BE49-F238E27FC236}">
-                <a16:creationId xmlns:a16="http://schemas.microsoft.com/office/drawing/2014/main" id="{26AF2EA0-F9B6-F97B-76B7-3394A5FE9964}"/>
+                <a16:creationId xmlns:a16="http://schemas.microsoft.com/office/drawing/2014/main" id="{73D58355-C3BF-AA53-11D6-5623DAED1361}"/>
               </a:ext>
             </a:extLst>
           </p:cNvPr>
@@ -1185,7 +1185,7 @@
           <a:bodyPr/>
           <a:lstStyle/>
           <a:p>
-            <a:fld id="{4ABAA976-B229-4583-89D0-5433A18B6D9E}" type="slidenum">
+            <a:fld id="{C364465B-1D80-4D39-9278-14A21095A0E5}" type="slidenum">
               <a:rPr lang="zh-CN" altLang="en-US" smtClean="0"/>
               <a:t>‹#›</a:t>
             </a:fld>
@@ -1196,7 +1196,7 @@
     </p:spTree>
     <p:extLst>
       <p:ext uri="{BB962C8B-B14F-4D97-AF65-F5344CB8AC3E}">
-        <p14:creationId xmlns:p14="http://schemas.microsoft.com/office/powerpoint/2010/main" val="3787926670"/>
+        <p14:creationId xmlns:p14="http://schemas.microsoft.com/office/powerpoint/2010/main" val="2889324343"/>
       </p:ext>
     </p:extLst>
   </p:cSld>
@@ -1228,7 +1228,7 @@
           <p:cNvPr id="2" name="标题 1">
             <a:extLst>
               <a:ext uri="{FF2B5EF4-FFF2-40B4-BE49-F238E27FC236}">
-                <a16:creationId xmlns:a16="http://schemas.microsoft.com/office/drawing/2014/main" id="{80F4CFAB-568B-41EF-C91B-F390510027F7}"/>
+                <a16:creationId xmlns:a16="http://schemas.microsoft.com/office/drawing/2014/main" id="{B7F8BEE0-4E18-BCE1-12B4-435DC873CD3B}"/>
               </a:ext>
             </a:extLst>
           </p:cNvPr>
@@ -1256,7 +1256,7 @@
           <p:cNvPr id="3" name="内容占位符 2">
             <a:extLst>
               <a:ext uri="{FF2B5EF4-FFF2-40B4-BE49-F238E27FC236}">
-                <a16:creationId xmlns:a16="http://schemas.microsoft.com/office/drawing/2014/main" id="{C13CE47B-F923-2DF8-D096-AF37F32C0418}"/>
+                <a16:creationId xmlns:a16="http://schemas.microsoft.com/office/drawing/2014/main" id="{A5C9CD5B-73C9-EAFB-EE99-0E049AAE6481}"/>
               </a:ext>
             </a:extLst>
           </p:cNvPr>
@@ -1318,7 +1318,7 @@
           <p:cNvPr id="4" name="内容占位符 3">
             <a:extLst>
               <a:ext uri="{FF2B5EF4-FFF2-40B4-BE49-F238E27FC236}">
-                <a16:creationId xmlns:a16="http://schemas.microsoft.com/office/drawing/2014/main" id="{260CD909-61F0-732E-75C4-C232EB62B112}"/>
+                <a16:creationId xmlns:a16="http://schemas.microsoft.com/office/drawing/2014/main" id="{D4D24287-32AB-D738-F7B6-46388F8696D3}"/>
               </a:ext>
             </a:extLst>
           </p:cNvPr>
@@ -1380,7 +1380,7 @@
           <p:cNvPr id="5" name="日期占位符 4">
             <a:extLst>
               <a:ext uri="{FF2B5EF4-FFF2-40B4-BE49-F238E27FC236}">
-                <a16:creationId xmlns:a16="http://schemas.microsoft.com/office/drawing/2014/main" id="{EBFEDAE3-1DA4-6F82-1866-2914DAD677F4}"/>
+                <a16:creationId xmlns:a16="http://schemas.microsoft.com/office/drawing/2014/main" id="{D5B58210-8BAE-F1AF-DF8C-EEA2C42A0314}"/>
               </a:ext>
             </a:extLst>
           </p:cNvPr>
@@ -1396,7 +1396,7 @@
           <a:bodyPr/>
           <a:lstStyle/>
           <a:p>
-            <a:fld id="{EB949CFD-E057-45AA-8491-F4FFBD0F3ABF}" type="datetimeFigureOut">
+            <a:fld id="{C03E05AC-C8DC-40EB-8318-DFE393686B61}" type="datetimeFigureOut">
               <a:rPr lang="zh-CN" altLang="en-US" smtClean="0"/>
               <a:t>2024/3/10</a:t>
             </a:fld>
@@ -1409,7 +1409,7 @@
           <p:cNvPr id="6" name="页脚占位符 5">
             <a:extLst>
               <a:ext uri="{FF2B5EF4-FFF2-40B4-BE49-F238E27FC236}">
-                <a16:creationId xmlns:a16="http://schemas.microsoft.com/office/drawing/2014/main" id="{0AD6F043-A61F-6C66-44AA-7A9629EA0D39}"/>
+                <a16:creationId xmlns:a16="http://schemas.microsoft.com/office/drawing/2014/main" id="{3E8FCE87-7CD1-6AFA-6793-564E94015B7C}"/>
               </a:ext>
             </a:extLst>
           </p:cNvPr>
@@ -1434,7 +1434,7 @@
           <p:cNvPr id="7" name="灯片编号占位符 6">
             <a:extLst>
               <a:ext uri="{FF2B5EF4-FFF2-40B4-BE49-F238E27FC236}">
-                <a16:creationId xmlns:a16="http://schemas.microsoft.com/office/drawing/2014/main" id="{BF3C700D-6625-9A57-D482-91B8ADD7AF96}"/>
+                <a16:creationId xmlns:a16="http://schemas.microsoft.com/office/drawing/2014/main" id="{0E989073-74A3-5394-0230-22CEC7884C69}"/>
               </a:ext>
             </a:extLst>
           </p:cNvPr>
@@ -1450,7 +1450,7 @@
           <a:bodyPr/>
           <a:lstStyle/>
           <a:p>
-            <a:fld id="{4ABAA976-B229-4583-89D0-5433A18B6D9E}" type="slidenum">
+            <a:fld id="{C364465B-1D80-4D39-9278-14A21095A0E5}" type="slidenum">
               <a:rPr lang="zh-CN" altLang="en-US" smtClean="0"/>
               <a:t>‹#›</a:t>
             </a:fld>
@@ -1461,7 +1461,7 @@
     </p:spTree>
     <p:extLst>
       <p:ext uri="{BB962C8B-B14F-4D97-AF65-F5344CB8AC3E}">
-        <p14:creationId xmlns:p14="http://schemas.microsoft.com/office/powerpoint/2010/main" val="2929833773"/>
+        <p14:creationId xmlns:p14="http://schemas.microsoft.com/office/powerpoint/2010/main" val="897592603"/>
       </p:ext>
     </p:extLst>
   </p:cSld>
@@ -1493,7 +1493,7 @@
           <p:cNvPr id="2" name="标题 1">
             <a:extLst>
               <a:ext uri="{FF2B5EF4-FFF2-40B4-BE49-F238E27FC236}">
-                <a16:creationId xmlns:a16="http://schemas.microsoft.com/office/drawing/2014/main" id="{72175730-8101-F8D1-D9A4-1370CDFA2FEA}"/>
+                <a16:creationId xmlns:a16="http://schemas.microsoft.com/office/drawing/2014/main" id="{46259800-1073-C751-3052-21B9B7F0971D}"/>
               </a:ext>
             </a:extLst>
           </p:cNvPr>
@@ -1526,7 +1526,7 @@
           <p:cNvPr id="3" name="文本占位符 2">
             <a:extLst>
               <a:ext uri="{FF2B5EF4-FFF2-40B4-BE49-F238E27FC236}">
-                <a16:creationId xmlns:a16="http://schemas.microsoft.com/office/drawing/2014/main" id="{D1283CBF-1199-87CE-3BB6-D275AE1915B8}"/>
+                <a16:creationId xmlns:a16="http://schemas.microsoft.com/office/drawing/2014/main" id="{E6432D33-1FDC-DE11-6815-F2E6C99684A8}"/>
               </a:ext>
             </a:extLst>
           </p:cNvPr>
@@ -1597,7 +1597,7 @@
           <p:cNvPr id="4" name="内容占位符 3">
             <a:extLst>
               <a:ext uri="{FF2B5EF4-FFF2-40B4-BE49-F238E27FC236}">
-                <a16:creationId xmlns:a16="http://schemas.microsoft.com/office/drawing/2014/main" id="{9606D3C2-F4E0-C5B8-F771-AB14172C0A9B}"/>
+                <a16:creationId xmlns:a16="http://schemas.microsoft.com/office/drawing/2014/main" id="{DD3D72FD-01DE-D4A8-B220-5738C774C330}"/>
               </a:ext>
             </a:extLst>
           </p:cNvPr>
@@ -1659,7 +1659,7 @@
           <p:cNvPr id="5" name="文本占位符 4">
             <a:extLst>
               <a:ext uri="{FF2B5EF4-FFF2-40B4-BE49-F238E27FC236}">
-                <a16:creationId xmlns:a16="http://schemas.microsoft.com/office/drawing/2014/main" id="{ACE0261E-87F9-241F-A514-79CA62AF2998}"/>
+                <a16:creationId xmlns:a16="http://schemas.microsoft.com/office/drawing/2014/main" id="{18C2D89B-8DCD-DBCF-74C7-37B00314E257}"/>
               </a:ext>
             </a:extLst>
           </p:cNvPr>
@@ -1730,7 +1730,7 @@
           <p:cNvPr id="6" name="内容占位符 5">
             <a:extLst>
               <a:ext uri="{FF2B5EF4-FFF2-40B4-BE49-F238E27FC236}">
-                <a16:creationId xmlns:a16="http://schemas.microsoft.com/office/drawing/2014/main" id="{D4069C2C-D1C2-5BD3-03A1-41536A812A58}"/>
+                <a16:creationId xmlns:a16="http://schemas.microsoft.com/office/drawing/2014/main" id="{BD729A67-6E9D-3E72-3504-FCB33779F643}"/>
               </a:ext>
             </a:extLst>
           </p:cNvPr>
@@ -1792,7 +1792,7 @@
           <p:cNvPr id="7" name="日期占位符 6">
             <a:extLst>
               <a:ext uri="{FF2B5EF4-FFF2-40B4-BE49-F238E27FC236}">
-                <a16:creationId xmlns:a16="http://schemas.microsoft.com/office/drawing/2014/main" id="{BE7FF325-C3C7-D489-99CB-6B5CAF1F4030}"/>
+                <a16:creationId xmlns:a16="http://schemas.microsoft.com/office/drawing/2014/main" id="{AEA1CCC2-1059-ECE7-3449-499724AD8BD9}"/>
               </a:ext>
             </a:extLst>
           </p:cNvPr>
@@ -1808,7 +1808,7 @@
           <a:bodyPr/>
           <a:lstStyle/>
           <a:p>
-            <a:fld id="{EB949CFD-E057-45AA-8491-F4FFBD0F3ABF}" type="datetimeFigureOut">
+            <a:fld id="{C03E05AC-C8DC-40EB-8318-DFE393686B61}" type="datetimeFigureOut">
               <a:rPr lang="zh-CN" altLang="en-US" smtClean="0"/>
               <a:t>2024/3/10</a:t>
             </a:fld>
@@ -1821,7 +1821,7 @@
           <p:cNvPr id="8" name="页脚占位符 7">
             <a:extLst>
               <a:ext uri="{FF2B5EF4-FFF2-40B4-BE49-F238E27FC236}">
-                <a16:creationId xmlns:a16="http://schemas.microsoft.com/office/drawing/2014/main" id="{66D373CC-C8AF-2574-AF58-95571591F46E}"/>
+                <a16:creationId xmlns:a16="http://schemas.microsoft.com/office/drawing/2014/main" id="{4D85CE9C-58ED-4DF9-8993-6183AE95EB38}"/>
               </a:ext>
             </a:extLst>
           </p:cNvPr>
@@ -1846,7 +1846,7 @@
           <p:cNvPr id="9" name="灯片编号占位符 8">
             <a:extLst>
               <a:ext uri="{FF2B5EF4-FFF2-40B4-BE49-F238E27FC236}">
-                <a16:creationId xmlns:a16="http://schemas.microsoft.com/office/drawing/2014/main" id="{CE801504-4E23-04F3-D206-FB1CF61E995B}"/>
+                <a16:creationId xmlns:a16="http://schemas.microsoft.com/office/drawing/2014/main" id="{991D2085-9765-79C3-F2EE-174975EC388E}"/>
               </a:ext>
             </a:extLst>
           </p:cNvPr>
@@ -1862,7 +1862,7 @@
           <a:bodyPr/>
           <a:lstStyle/>
           <a:p>
-            <a:fld id="{4ABAA976-B229-4583-89D0-5433A18B6D9E}" type="slidenum">
+            <a:fld id="{C364465B-1D80-4D39-9278-14A21095A0E5}" type="slidenum">
               <a:rPr lang="zh-CN" altLang="en-US" smtClean="0"/>
               <a:t>‹#›</a:t>
             </a:fld>
@@ -1873,7 +1873,7 @@
     </p:spTree>
     <p:extLst>
       <p:ext uri="{BB962C8B-B14F-4D97-AF65-F5344CB8AC3E}">
-        <p14:creationId xmlns:p14="http://schemas.microsoft.com/office/powerpoint/2010/main" val="3538950558"/>
+        <p14:creationId xmlns:p14="http://schemas.microsoft.com/office/powerpoint/2010/main" val="1813691787"/>
       </p:ext>
     </p:extLst>
   </p:cSld>
@@ -1905,7 +1905,7 @@
           <p:cNvPr id="2" name="标题 1">
             <a:extLst>
               <a:ext uri="{FF2B5EF4-FFF2-40B4-BE49-F238E27FC236}">
-                <a16:creationId xmlns:a16="http://schemas.microsoft.com/office/drawing/2014/main" id="{B3B52453-FBE0-FAFF-D343-091207B98FB7}"/>
+                <a16:creationId xmlns:a16="http://schemas.microsoft.com/office/drawing/2014/main" id="{B373FF96-1080-5DD7-BCDA-FE398904A968}"/>
               </a:ext>
             </a:extLst>
           </p:cNvPr>
@@ -1933,7 +1933,7 @@
           <p:cNvPr id="3" name="日期占位符 2">
             <a:extLst>
               <a:ext uri="{FF2B5EF4-FFF2-40B4-BE49-F238E27FC236}">
-                <a16:creationId xmlns:a16="http://schemas.microsoft.com/office/drawing/2014/main" id="{13958EFE-B800-3021-EFD4-A9DBB8F83E1E}"/>
+                <a16:creationId xmlns:a16="http://schemas.microsoft.com/office/drawing/2014/main" id="{913F49F7-D71C-D455-5B03-F6718F99848A}"/>
               </a:ext>
             </a:extLst>
           </p:cNvPr>
@@ -1949,7 +1949,7 @@
           <a:bodyPr/>
           <a:lstStyle/>
           <a:p>
-            <a:fld id="{EB949CFD-E057-45AA-8491-F4FFBD0F3ABF}" type="datetimeFigureOut">
+            <a:fld id="{C03E05AC-C8DC-40EB-8318-DFE393686B61}" type="datetimeFigureOut">
               <a:rPr lang="zh-CN" altLang="en-US" smtClean="0"/>
               <a:t>2024/3/10</a:t>
             </a:fld>
@@ -1962,7 +1962,7 @@
           <p:cNvPr id="4" name="页脚占位符 3">
             <a:extLst>
               <a:ext uri="{FF2B5EF4-FFF2-40B4-BE49-F238E27FC236}">
-                <a16:creationId xmlns:a16="http://schemas.microsoft.com/office/drawing/2014/main" id="{9FF5A1DF-4303-C52C-892F-816DDE77E702}"/>
+                <a16:creationId xmlns:a16="http://schemas.microsoft.com/office/drawing/2014/main" id="{558C0511-5B85-77EE-E41A-C6B53DF0F69D}"/>
               </a:ext>
             </a:extLst>
           </p:cNvPr>
@@ -1987,7 +1987,7 @@
           <p:cNvPr id="5" name="灯片编号占位符 4">
             <a:extLst>
               <a:ext uri="{FF2B5EF4-FFF2-40B4-BE49-F238E27FC236}">
-                <a16:creationId xmlns:a16="http://schemas.microsoft.com/office/drawing/2014/main" id="{788AC577-B2BA-0DC8-0517-68579DD444AD}"/>
+                <a16:creationId xmlns:a16="http://schemas.microsoft.com/office/drawing/2014/main" id="{516FF67E-C2BB-796E-9470-96A49F71804F}"/>
               </a:ext>
             </a:extLst>
           </p:cNvPr>
@@ -2003,7 +2003,7 @@
           <a:bodyPr/>
           <a:lstStyle/>
           <a:p>
-            <a:fld id="{4ABAA976-B229-4583-89D0-5433A18B6D9E}" type="slidenum">
+            <a:fld id="{C364465B-1D80-4D39-9278-14A21095A0E5}" type="slidenum">
               <a:rPr lang="zh-CN" altLang="en-US" smtClean="0"/>
               <a:t>‹#›</a:t>
             </a:fld>
@@ -2014,7 +2014,7 @@
     </p:spTree>
     <p:extLst>
       <p:ext uri="{BB962C8B-B14F-4D97-AF65-F5344CB8AC3E}">
-        <p14:creationId xmlns:p14="http://schemas.microsoft.com/office/powerpoint/2010/main" val="2795938555"/>
+        <p14:creationId xmlns:p14="http://schemas.microsoft.com/office/powerpoint/2010/main" val="871776513"/>
       </p:ext>
     </p:extLst>
   </p:cSld>
@@ -2046,7 +2046,7 @@
           <p:cNvPr id="2" name="日期占位符 1">
             <a:extLst>
               <a:ext uri="{FF2B5EF4-FFF2-40B4-BE49-F238E27FC236}">
-                <a16:creationId xmlns:a16="http://schemas.microsoft.com/office/drawing/2014/main" id="{EAD77D3C-798E-4782-E2F9-7D25E496A74E}"/>
+                <a16:creationId xmlns:a16="http://schemas.microsoft.com/office/drawing/2014/main" id="{5A2AA0D0-1848-274D-8EF7-A600D5B63635}"/>
               </a:ext>
             </a:extLst>
           </p:cNvPr>
@@ -2062,7 +2062,7 @@
           <a:bodyPr/>
           <a:lstStyle/>
           <a:p>
-            <a:fld id="{EB949CFD-E057-45AA-8491-F4FFBD0F3ABF}" type="datetimeFigureOut">
+            <a:fld id="{C03E05AC-C8DC-40EB-8318-DFE393686B61}" type="datetimeFigureOut">
               <a:rPr lang="zh-CN" altLang="en-US" smtClean="0"/>
               <a:t>2024/3/10</a:t>
             </a:fld>
@@ -2075,7 +2075,7 @@
           <p:cNvPr id="3" name="页脚占位符 2">
             <a:extLst>
               <a:ext uri="{FF2B5EF4-FFF2-40B4-BE49-F238E27FC236}">
-                <a16:creationId xmlns:a16="http://schemas.microsoft.com/office/drawing/2014/main" id="{9C2CA994-2B68-7E04-7426-56EA14BE07D8}"/>
+                <a16:creationId xmlns:a16="http://schemas.microsoft.com/office/drawing/2014/main" id="{87EEC0B5-9BBB-AE29-C93F-B42B7D04A412}"/>
               </a:ext>
             </a:extLst>
           </p:cNvPr>
@@ -2100,7 +2100,7 @@
           <p:cNvPr id="4" name="灯片编号占位符 3">
             <a:extLst>
               <a:ext uri="{FF2B5EF4-FFF2-40B4-BE49-F238E27FC236}">
-                <a16:creationId xmlns:a16="http://schemas.microsoft.com/office/drawing/2014/main" id="{4A32EF3E-B8BF-33C6-0125-F4A776AA5548}"/>
+                <a16:creationId xmlns:a16="http://schemas.microsoft.com/office/drawing/2014/main" id="{6A5F4F4C-7011-161D-8E72-46A577B5BBBE}"/>
               </a:ext>
             </a:extLst>
           </p:cNvPr>
@@ -2116,7 +2116,7 @@
           <a:bodyPr/>
           <a:lstStyle/>
           <a:p>
-            <a:fld id="{4ABAA976-B229-4583-89D0-5433A18B6D9E}" type="slidenum">
+            <a:fld id="{C364465B-1D80-4D39-9278-14A21095A0E5}" type="slidenum">
               <a:rPr lang="zh-CN" altLang="en-US" smtClean="0"/>
               <a:t>‹#›</a:t>
             </a:fld>
@@ -2127,7 +2127,7 @@
     </p:spTree>
     <p:extLst>
       <p:ext uri="{BB962C8B-B14F-4D97-AF65-F5344CB8AC3E}">
-        <p14:creationId xmlns:p14="http://schemas.microsoft.com/office/powerpoint/2010/main" val="769040229"/>
+        <p14:creationId xmlns:p14="http://schemas.microsoft.com/office/powerpoint/2010/main" val="3787247756"/>
       </p:ext>
     </p:extLst>
   </p:cSld>
@@ -2159,7 +2159,7 @@
           <p:cNvPr id="2" name="标题 1">
             <a:extLst>
               <a:ext uri="{FF2B5EF4-FFF2-40B4-BE49-F238E27FC236}">
-                <a16:creationId xmlns:a16="http://schemas.microsoft.com/office/drawing/2014/main" id="{020A1330-976E-2638-0F4E-5F87FCAA49A2}"/>
+                <a16:creationId xmlns:a16="http://schemas.microsoft.com/office/drawing/2014/main" id="{B8EAB813-D464-9137-F7E4-E4A947B88B86}"/>
               </a:ext>
             </a:extLst>
           </p:cNvPr>
@@ -2196,7 +2196,7 @@
           <p:cNvPr id="3" name="内容占位符 2">
             <a:extLst>
               <a:ext uri="{FF2B5EF4-FFF2-40B4-BE49-F238E27FC236}">
-                <a16:creationId xmlns:a16="http://schemas.microsoft.com/office/drawing/2014/main" id="{B3882E2E-D133-C0CD-84C5-0C66767A1B98}"/>
+                <a16:creationId xmlns:a16="http://schemas.microsoft.com/office/drawing/2014/main" id="{66334FB1-85D1-58D9-16E9-B7506CD85144}"/>
               </a:ext>
             </a:extLst>
           </p:cNvPr>
@@ -2286,7 +2286,7 @@
           <p:cNvPr id="4" name="文本占位符 3">
             <a:extLst>
               <a:ext uri="{FF2B5EF4-FFF2-40B4-BE49-F238E27FC236}">
-                <a16:creationId xmlns:a16="http://schemas.microsoft.com/office/drawing/2014/main" id="{15E51FEC-83C8-5837-3FFE-8B1859AD5BAD}"/>
+                <a16:creationId xmlns:a16="http://schemas.microsoft.com/office/drawing/2014/main" id="{55F0D47D-0828-6F0C-A478-83F7A46B4E75}"/>
               </a:ext>
             </a:extLst>
           </p:cNvPr>
@@ -2357,7 +2357,7 @@
           <p:cNvPr id="5" name="日期占位符 4">
             <a:extLst>
               <a:ext uri="{FF2B5EF4-FFF2-40B4-BE49-F238E27FC236}">
-                <a16:creationId xmlns:a16="http://schemas.microsoft.com/office/drawing/2014/main" id="{F6EE8401-97A9-0F3F-113F-4FEBC9B3C1EA}"/>
+                <a16:creationId xmlns:a16="http://schemas.microsoft.com/office/drawing/2014/main" id="{F73EF9FA-2704-28EF-505E-2DC27AD9858F}"/>
               </a:ext>
             </a:extLst>
           </p:cNvPr>
@@ -2373,7 +2373,7 @@
           <a:bodyPr/>
           <a:lstStyle/>
           <a:p>
-            <a:fld id="{EB949CFD-E057-45AA-8491-F4FFBD0F3ABF}" type="datetimeFigureOut">
+            <a:fld id="{C03E05AC-C8DC-40EB-8318-DFE393686B61}" type="datetimeFigureOut">
               <a:rPr lang="zh-CN" altLang="en-US" smtClean="0"/>
               <a:t>2024/3/10</a:t>
             </a:fld>
@@ -2386,7 +2386,7 @@
           <p:cNvPr id="6" name="页脚占位符 5">
             <a:extLst>
               <a:ext uri="{FF2B5EF4-FFF2-40B4-BE49-F238E27FC236}">
-                <a16:creationId xmlns:a16="http://schemas.microsoft.com/office/drawing/2014/main" id="{CCD20CE7-BEBE-018A-89B9-B18D597C4593}"/>
+                <a16:creationId xmlns:a16="http://schemas.microsoft.com/office/drawing/2014/main" id="{2A4EDD02-2ECB-7FDE-2551-50A2F9A43CE8}"/>
               </a:ext>
             </a:extLst>
           </p:cNvPr>
@@ -2411,7 +2411,7 @@
           <p:cNvPr id="7" name="灯片编号占位符 6">
             <a:extLst>
               <a:ext uri="{FF2B5EF4-FFF2-40B4-BE49-F238E27FC236}">
-                <a16:creationId xmlns:a16="http://schemas.microsoft.com/office/drawing/2014/main" id="{1996500E-2187-26C1-0BFE-36DDD0BEA458}"/>
+                <a16:creationId xmlns:a16="http://schemas.microsoft.com/office/drawing/2014/main" id="{FAEA1C8E-3640-8A2F-31D7-F0DD5BC387B9}"/>
               </a:ext>
             </a:extLst>
           </p:cNvPr>
@@ -2427,7 +2427,7 @@
           <a:bodyPr/>
           <a:lstStyle/>
           <a:p>
-            <a:fld id="{4ABAA976-B229-4583-89D0-5433A18B6D9E}" type="slidenum">
+            <a:fld id="{C364465B-1D80-4D39-9278-14A21095A0E5}" type="slidenum">
               <a:rPr lang="zh-CN" altLang="en-US" smtClean="0"/>
               <a:t>‹#›</a:t>
             </a:fld>
@@ -2438,7 +2438,7 @@
     </p:spTree>
     <p:extLst>
       <p:ext uri="{BB962C8B-B14F-4D97-AF65-F5344CB8AC3E}">
-        <p14:creationId xmlns:p14="http://schemas.microsoft.com/office/powerpoint/2010/main" val="3563136994"/>
+        <p14:creationId xmlns:p14="http://schemas.microsoft.com/office/powerpoint/2010/main" val="3458856195"/>
       </p:ext>
     </p:extLst>
   </p:cSld>
@@ -2470,7 +2470,7 @@
           <p:cNvPr id="2" name="标题 1">
             <a:extLst>
               <a:ext uri="{FF2B5EF4-FFF2-40B4-BE49-F238E27FC236}">
-                <a16:creationId xmlns:a16="http://schemas.microsoft.com/office/drawing/2014/main" id="{416D50A5-D5E1-1CF5-8A9B-E08334967951}"/>
+                <a16:creationId xmlns:a16="http://schemas.microsoft.com/office/drawing/2014/main" id="{2DDB08BC-2A9D-4AC6-F76B-DB71FF3C2215}"/>
               </a:ext>
             </a:extLst>
           </p:cNvPr>
@@ -2507,7 +2507,7 @@
           <p:cNvPr id="3" name="图片占位符 2">
             <a:extLst>
               <a:ext uri="{FF2B5EF4-FFF2-40B4-BE49-F238E27FC236}">
-                <a16:creationId xmlns:a16="http://schemas.microsoft.com/office/drawing/2014/main" id="{0EB0B238-2283-6828-A001-646E03B7949C}"/>
+                <a16:creationId xmlns:a16="http://schemas.microsoft.com/office/drawing/2014/main" id="{BE34C600-2EF8-785A-88A9-941FDC273B74}"/>
               </a:ext>
             </a:extLst>
           </p:cNvPr>
@@ -2574,7 +2574,7 @@
           <p:cNvPr id="4" name="文本占位符 3">
             <a:extLst>
               <a:ext uri="{FF2B5EF4-FFF2-40B4-BE49-F238E27FC236}">
-                <a16:creationId xmlns:a16="http://schemas.microsoft.com/office/drawing/2014/main" id="{8B4BE73C-61F8-799A-89C1-35076A7F11DE}"/>
+                <a16:creationId xmlns:a16="http://schemas.microsoft.com/office/drawing/2014/main" id="{BDE91AAB-C8B3-3BB7-B0DC-AE939091F7EE}"/>
               </a:ext>
             </a:extLst>
           </p:cNvPr>
@@ -2645,7 +2645,7 @@
           <p:cNvPr id="5" name="日期占位符 4">
             <a:extLst>
               <a:ext uri="{FF2B5EF4-FFF2-40B4-BE49-F238E27FC236}">
-                <a16:creationId xmlns:a16="http://schemas.microsoft.com/office/drawing/2014/main" id="{3EF860CF-D2D6-3A06-9AD4-0C553818A57B}"/>
+                <a16:creationId xmlns:a16="http://schemas.microsoft.com/office/drawing/2014/main" id="{553AD9E3-9727-17A7-3D4C-0F2FA5C8A347}"/>
               </a:ext>
             </a:extLst>
           </p:cNvPr>
@@ -2661,7 +2661,7 @@
           <a:bodyPr/>
           <a:lstStyle/>
           <a:p>
-            <a:fld id="{EB949CFD-E057-45AA-8491-F4FFBD0F3ABF}" type="datetimeFigureOut">
+            <a:fld id="{C03E05AC-C8DC-40EB-8318-DFE393686B61}" type="datetimeFigureOut">
               <a:rPr lang="zh-CN" altLang="en-US" smtClean="0"/>
               <a:t>2024/3/10</a:t>
             </a:fld>
@@ -2674,7 +2674,7 @@
           <p:cNvPr id="6" name="页脚占位符 5">
             <a:extLst>
               <a:ext uri="{FF2B5EF4-FFF2-40B4-BE49-F238E27FC236}">
-                <a16:creationId xmlns:a16="http://schemas.microsoft.com/office/drawing/2014/main" id="{A91DE1DF-8003-0498-8F66-B7382ACB73C9}"/>
+                <a16:creationId xmlns:a16="http://schemas.microsoft.com/office/drawing/2014/main" id="{A1E1FBD9-BEB4-6DCA-9AAA-EFB0761C5E76}"/>
               </a:ext>
             </a:extLst>
           </p:cNvPr>
@@ -2699,7 +2699,7 @@
           <p:cNvPr id="7" name="灯片编号占位符 6">
             <a:extLst>
               <a:ext uri="{FF2B5EF4-FFF2-40B4-BE49-F238E27FC236}">
-                <a16:creationId xmlns:a16="http://schemas.microsoft.com/office/drawing/2014/main" id="{A5A604C1-631A-5F72-A055-F2197AB040AE}"/>
+                <a16:creationId xmlns:a16="http://schemas.microsoft.com/office/drawing/2014/main" id="{A7320DC6-8A01-D063-00D9-94578A3D7C7D}"/>
               </a:ext>
             </a:extLst>
           </p:cNvPr>
@@ -2715,7 +2715,7 @@
           <a:bodyPr/>
           <a:lstStyle/>
           <a:p>
-            <a:fld id="{4ABAA976-B229-4583-89D0-5433A18B6D9E}" type="slidenum">
+            <a:fld id="{C364465B-1D80-4D39-9278-14A21095A0E5}" type="slidenum">
               <a:rPr lang="zh-CN" altLang="en-US" smtClean="0"/>
               <a:t>‹#›</a:t>
             </a:fld>
@@ -2726,7 +2726,7 @@
     </p:spTree>
     <p:extLst>
       <p:ext uri="{BB962C8B-B14F-4D97-AF65-F5344CB8AC3E}">
-        <p14:creationId xmlns:p14="http://schemas.microsoft.com/office/powerpoint/2010/main" val="393052598"/>
+        <p14:creationId xmlns:p14="http://schemas.microsoft.com/office/powerpoint/2010/main" val="1335799333"/>
       </p:ext>
     </p:extLst>
   </p:cSld>
@@ -2763,7 +2763,7 @@
           <p:cNvPr id="2" name="标题占位符 1">
             <a:extLst>
               <a:ext uri="{FF2B5EF4-FFF2-40B4-BE49-F238E27FC236}">
-                <a16:creationId xmlns:a16="http://schemas.microsoft.com/office/drawing/2014/main" id="{1F314E77-171A-6400-81D0-DBFA8D3832CB}"/>
+                <a16:creationId xmlns:a16="http://schemas.microsoft.com/office/drawing/2014/main" id="{7050EA90-33A7-F4C5-F56F-65BF2770373B}"/>
               </a:ext>
             </a:extLst>
           </p:cNvPr>
@@ -2801,7 +2801,7 @@
           <p:cNvPr id="3" name="文本占位符 2">
             <a:extLst>
               <a:ext uri="{FF2B5EF4-FFF2-40B4-BE49-F238E27FC236}">
-                <a16:creationId xmlns:a16="http://schemas.microsoft.com/office/drawing/2014/main" id="{F5297690-4CC9-F479-0F9D-FB5D19DF6D6F}"/>
+                <a16:creationId xmlns:a16="http://schemas.microsoft.com/office/drawing/2014/main" id="{7E7DBF07-3123-2F15-AD55-ECEA9D2C7FBF}"/>
               </a:ext>
             </a:extLst>
           </p:cNvPr>
@@ -2868,7 +2868,7 @@
           <p:cNvPr id="4" name="日期占位符 3">
             <a:extLst>
               <a:ext uri="{FF2B5EF4-FFF2-40B4-BE49-F238E27FC236}">
-                <a16:creationId xmlns:a16="http://schemas.microsoft.com/office/drawing/2014/main" id="{B869CE3A-43F4-4AF2-705C-ED50DF998667}"/>
+                <a16:creationId xmlns:a16="http://schemas.microsoft.com/office/drawing/2014/main" id="{CECBC83C-244A-12FB-5F57-906042CD0D41}"/>
               </a:ext>
             </a:extLst>
           </p:cNvPr>
@@ -2902,7 +2902,7 @@
             </a:lvl1pPr>
           </a:lstStyle>
           <a:p>
-            <a:fld id="{EB949CFD-E057-45AA-8491-F4FFBD0F3ABF}" type="datetimeFigureOut">
+            <a:fld id="{C03E05AC-C8DC-40EB-8318-DFE393686B61}" type="datetimeFigureOut">
               <a:rPr lang="zh-CN" altLang="en-US" smtClean="0"/>
               <a:t>2024/3/10</a:t>
             </a:fld>
@@ -2915,7 +2915,7 @@
           <p:cNvPr id="5" name="页脚占位符 4">
             <a:extLst>
               <a:ext uri="{FF2B5EF4-FFF2-40B4-BE49-F238E27FC236}">
-                <a16:creationId xmlns:a16="http://schemas.microsoft.com/office/drawing/2014/main" id="{0E19DC9D-7C19-2DDC-95E9-3E6B08460BA2}"/>
+                <a16:creationId xmlns:a16="http://schemas.microsoft.com/office/drawing/2014/main" id="{C6D811D8-CF61-48D2-B05A-31DDC2AFB877}"/>
               </a:ext>
             </a:extLst>
           </p:cNvPr>
@@ -2958,7 +2958,7 @@
           <p:cNvPr id="6" name="灯片编号占位符 5">
             <a:extLst>
               <a:ext uri="{FF2B5EF4-FFF2-40B4-BE49-F238E27FC236}">
-                <a16:creationId xmlns:a16="http://schemas.microsoft.com/office/drawing/2014/main" id="{FBD432F2-599B-B5B2-03C8-CFB3B5DE542B}"/>
+                <a16:creationId xmlns:a16="http://schemas.microsoft.com/office/drawing/2014/main" id="{F91FC31A-8E7F-B368-3018-C8702CE7E67F}"/>
               </a:ext>
             </a:extLst>
           </p:cNvPr>
@@ -2992,7 +2992,7 @@
             </a:lvl1pPr>
           </a:lstStyle>
           <a:p>
-            <a:fld id="{4ABAA976-B229-4583-89D0-5433A18B6D9E}" type="slidenum">
+            <a:fld id="{C364465B-1D80-4D39-9278-14A21095A0E5}" type="slidenum">
               <a:rPr lang="zh-CN" altLang="en-US" smtClean="0"/>
               <a:t>‹#›</a:t>
             </a:fld>
@@ -3003,7 +3003,7 @@
     </p:spTree>
     <p:extLst>
       <p:ext uri="{BB962C8B-B14F-4D97-AF65-F5344CB8AC3E}">
-        <p14:creationId xmlns:p14="http://schemas.microsoft.com/office/powerpoint/2010/main" val="2941170178"/>
+        <p14:creationId xmlns:p14="http://schemas.microsoft.com/office/powerpoint/2010/main" val="3178138057"/>
       </p:ext>
     </p:extLst>
   </p:cSld>
@@ -3323,7 +3323,7 @@
       </p:grpSpPr>
       <p:pic>
         <p:nvPicPr>
-          <p:cNvPr id="528386" name="Picture 2" descr="515"/>
+          <p:cNvPr id="529410" name="Picture 2" descr="516"/>
           <p:cNvPicPr>
             <a:picLocks noChangeAspect="1" noChangeArrowheads="1"/>
           </p:cNvPicPr>
@@ -3344,8 +3344,8 @@
         </p:blipFill>
         <p:spPr bwMode="auto">
           <a:xfrm>
-            <a:off x="1524000" y="1"/>
-            <a:ext cx="9124950" cy="6843713"/>
+            <a:off x="1524000" y="0"/>
+            <a:ext cx="9144000" cy="6858000"/>
           </a:xfrm>
           <a:prstGeom prst="rect">
             <a:avLst/>
@@ -3375,275 +3375,11 @@
           </a:extLst>
         </p:spPr>
       </p:pic>
-      <p:pic>
-        <p:nvPicPr>
-          <p:cNvPr id="529411" name="Picture 3" descr="515-2"/>
-          <p:cNvPicPr>
-            <a:picLocks noChangeAspect="1" noChangeArrowheads="1"/>
-          </p:cNvPicPr>
-          <p:nvPr/>
-        </p:nvPicPr>
-        <p:blipFill>
-          <a:blip r:embed="rId3">
-            <a:extLst>
-              <a:ext uri="{28A0092B-C50C-407E-A947-70E740481C1C}">
-                <a14:useLocalDpi xmlns:a14="http://schemas.microsoft.com/office/drawing/2010/main" val="0"/>
-              </a:ext>
-            </a:extLst>
-          </a:blip>
-          <a:srcRect/>
-          <a:stretch>
-            <a:fillRect/>
-          </a:stretch>
-        </p:blipFill>
-        <p:spPr bwMode="auto">
-          <a:xfrm>
-            <a:off x="1524000" y="0"/>
-            <a:ext cx="9144000" cy="6858000"/>
-          </a:xfrm>
-          <a:prstGeom prst="rect">
-            <a:avLst/>
-          </a:prstGeom>
-          <a:noFill/>
-          <a:ln>
-            <a:noFill/>
-          </a:ln>
-          <a:effectLst/>
-          <a:extLst>
-            <a:ext uri="{909E8E84-426E-40DD-AFC4-6F175D3DCCD1}">
-              <a14:hiddenFill xmlns:a14="http://schemas.microsoft.com/office/drawing/2010/main">
-                <a:solidFill>
-                  <a:srgbClr val="FFFFFF"/>
-                </a:solidFill>
-              </a14:hiddenFill>
-            </a:ext>
-            <a:ext uri="{91240B29-F687-4F45-9708-019B960494DF}">
-              <a14:hiddenLine xmlns:a14="http://schemas.microsoft.com/office/drawing/2010/main" w="9525">
-                <a:solidFill>
-                  <a:srgbClr val="000000"/>
-                </a:solidFill>
-                <a:miter lim="800000"/>
-                <a:headEnd/>
-                <a:tailEnd/>
-              </a14:hiddenLine>
-            </a:ext>
-            <a:ext uri="{AF507438-7753-43E0-B8FC-AC1667EBCBE1}">
-              <a14:hiddenEffects xmlns:a14="http://schemas.microsoft.com/office/drawing/2010/main">
-                <a:effectLst>
-                  <a:outerShdw dist="35921" dir="2700000" algn="ctr" rotWithShape="0">
-                    <a:srgbClr val="808080"/>
-                  </a:outerShdw>
-                </a:effectLst>
-              </a14:hiddenEffects>
-            </a:ext>
-          </a:extLst>
-        </p:spPr>
-      </p:pic>
-      <p:pic>
-        <p:nvPicPr>
-          <p:cNvPr id="529412" name="Picture 4" descr="515-3"/>
-          <p:cNvPicPr>
-            <a:picLocks noChangeAspect="1" noChangeArrowheads="1"/>
-          </p:cNvPicPr>
-          <p:nvPr/>
-        </p:nvPicPr>
-        <p:blipFill>
-          <a:blip r:embed="rId4">
-            <a:extLst>
-              <a:ext uri="{28A0092B-C50C-407E-A947-70E740481C1C}">
-                <a14:useLocalDpi xmlns:a14="http://schemas.microsoft.com/office/drawing/2010/main" val="0"/>
-              </a:ext>
-            </a:extLst>
-          </a:blip>
-          <a:srcRect/>
-          <a:stretch>
-            <a:fillRect/>
-          </a:stretch>
-        </p:blipFill>
-        <p:spPr bwMode="auto">
-          <a:xfrm>
-            <a:off x="1524000" y="0"/>
-            <a:ext cx="9144000" cy="6858000"/>
-          </a:xfrm>
-          <a:prstGeom prst="rect">
-            <a:avLst/>
-          </a:prstGeom>
-          <a:noFill/>
-          <a:ln>
-            <a:noFill/>
-          </a:ln>
-          <a:effectLst/>
-          <a:extLst>
-            <a:ext uri="{909E8E84-426E-40DD-AFC4-6F175D3DCCD1}">
-              <a14:hiddenFill xmlns:a14="http://schemas.microsoft.com/office/drawing/2010/main">
-                <a:solidFill>
-                  <a:srgbClr val="FFFFFF"/>
-                </a:solidFill>
-              </a14:hiddenFill>
-            </a:ext>
-            <a:ext uri="{91240B29-F687-4F45-9708-019B960494DF}">
-              <a14:hiddenLine xmlns:a14="http://schemas.microsoft.com/office/drawing/2010/main" w="9525">
-                <a:solidFill>
-                  <a:srgbClr val="000000"/>
-                </a:solidFill>
-                <a:miter lim="800000"/>
-                <a:headEnd/>
-                <a:tailEnd/>
-              </a14:hiddenLine>
-            </a:ext>
-            <a:ext uri="{AF507438-7753-43E0-B8FC-AC1667EBCBE1}">
-              <a14:hiddenEffects xmlns:a14="http://schemas.microsoft.com/office/drawing/2010/main">
-                <a:effectLst>
-                  <a:outerShdw dist="35921" dir="2700000" algn="ctr" rotWithShape="0">
-                    <a:srgbClr val="808080"/>
-                  </a:outerShdw>
-                </a:effectLst>
-              </a14:hiddenEffects>
-            </a:ext>
-          </a:extLst>
-        </p:spPr>
-      </p:pic>
     </p:spTree>
   </p:cSld>
   <p:clrMapOvr>
     <a:masterClrMapping/>
   </p:clrMapOvr>
-  <p:timing>
-    <p:tnLst>
-      <p:par>
-        <p:cTn id="1" dur="indefinite" restart="never" nodeType="tmRoot">
-          <p:childTnLst>
-            <p:seq concurrent="1" nextAc="seek">
-              <p:cTn id="2" dur="indefinite" nodeType="mainSeq">
-                <p:childTnLst>
-                  <p:par>
-                    <p:cTn id="3" fill="hold" nodeType="clickPar">
-                      <p:stCondLst>
-                        <p:cond delay="indefinite"/>
-                      </p:stCondLst>
-                      <p:childTnLst>
-                        <p:par>
-                          <p:cTn id="4" fill="hold" nodeType="withGroup">
-                            <p:stCondLst>
-                              <p:cond delay="0"/>
-                            </p:stCondLst>
-                            <p:childTnLst>
-                              <p:par>
-                                <p:cTn id="5" presetID="10" presetClass="entr" presetSubtype="0" fill="hold" nodeType="clickEffect">
-                                  <p:stCondLst>
-                                    <p:cond delay="0"/>
-                                  </p:stCondLst>
-                                  <p:childTnLst>
-                                    <p:set>
-                                      <p:cBhvr>
-                                        <p:cTn id="6" dur="1" fill="hold">
-                                          <p:stCondLst>
-                                            <p:cond delay="0"/>
-                                          </p:stCondLst>
-                                        </p:cTn>
-                                        <p:tgtEl>
-                                          <p:spTgt spid="529411"/>
-                                        </p:tgtEl>
-                                        <p:attrNameLst>
-                                          <p:attrName>style.visibility</p:attrName>
-                                        </p:attrNameLst>
-                                      </p:cBhvr>
-                                      <p:to>
-                                        <p:strVal val="visible"/>
-                                      </p:to>
-                                    </p:set>
-                                    <p:animEffect transition="in" filter="fade">
-                                      <p:cBhvr>
-                                        <p:cTn id="7" dur="500"/>
-                                        <p:tgtEl>
-                                          <p:spTgt spid="529411"/>
-                                        </p:tgtEl>
-                                      </p:cBhvr>
-                                    </p:animEffect>
-                                  </p:childTnLst>
-                                </p:cTn>
-                              </p:par>
-                            </p:childTnLst>
-                          </p:cTn>
-                        </p:par>
-                      </p:childTnLst>
-                    </p:cTn>
-                  </p:par>
-                  <p:par>
-                    <p:cTn id="8" fill="hold" nodeType="clickPar">
-                      <p:stCondLst>
-                        <p:cond delay="indefinite"/>
-                      </p:stCondLst>
-                      <p:childTnLst>
-                        <p:par>
-                          <p:cTn id="9" fill="hold" nodeType="withGroup">
-                            <p:stCondLst>
-                              <p:cond delay="0"/>
-                            </p:stCondLst>
-                            <p:childTnLst>
-                              <p:par>
-                                <p:cTn id="10" presetID="10" presetClass="entr" presetSubtype="0" fill="hold" nodeType="clickEffect">
-                                  <p:stCondLst>
-                                    <p:cond delay="0"/>
-                                  </p:stCondLst>
-                                  <p:childTnLst>
-                                    <p:set>
-                                      <p:cBhvr>
-                                        <p:cTn id="11" dur="1" fill="hold">
-                                          <p:stCondLst>
-                                            <p:cond delay="0"/>
-                                          </p:stCondLst>
-                                        </p:cTn>
-                                        <p:tgtEl>
-                                          <p:spTgt spid="529412"/>
-                                        </p:tgtEl>
-                                        <p:attrNameLst>
-                                          <p:attrName>style.visibility</p:attrName>
-                                        </p:attrNameLst>
-                                      </p:cBhvr>
-                                      <p:to>
-                                        <p:strVal val="visible"/>
-                                      </p:to>
-                                    </p:set>
-                                    <p:animEffect transition="in" filter="fade">
-                                      <p:cBhvr>
-                                        <p:cTn id="12" dur="500"/>
-                                        <p:tgtEl>
-                                          <p:spTgt spid="529412"/>
-                                        </p:tgtEl>
-                                      </p:cBhvr>
-                                    </p:animEffect>
-                                  </p:childTnLst>
-                                </p:cTn>
-                              </p:par>
-                            </p:childTnLst>
-                          </p:cTn>
-                        </p:par>
-                      </p:childTnLst>
-                    </p:cTn>
-                  </p:par>
-                </p:childTnLst>
-              </p:cTn>
-              <p:prevCondLst>
-                <p:cond evt="onPrev" delay="0">
-                  <p:tgtEl>
-                    <p:sldTgt/>
-                  </p:tgtEl>
-                </p:cond>
-              </p:prevCondLst>
-              <p:nextCondLst>
-                <p:cond evt="onNext" delay="0">
-                  <p:tgtEl>
-                    <p:sldTgt/>
-                  </p:tgtEl>
-                </p:cond>
-              </p:nextCondLst>
-            </p:seq>
-          </p:childTnLst>
-        </p:cTn>
-      </p:par>
-    </p:tnLst>
-  </p:timing>
 </p:sld>
 </file>
 
